--- a/aa.pptx
+++ b/aa.pptx
@@ -3055,10 +3055,10 @@
               <a:t>Ppt</a:t>
             </a:r>
             <a:r>
-              <a:rPr lang="zh-CN" altLang="en-US" smtClean="0"/>
+              <a:rPr lang="zh-CN" altLang="en-US" dirty="0" smtClean="0"/>
               <a:t>幻灯片</a:t>
             </a:r>
-            <a:endParaRPr lang="zh-CN" altLang="en-US"/>
+            <a:endParaRPr lang="zh-CN" altLang="en-US" dirty="0"/>
           </a:p>
         </p:txBody>
       </p:sp>
@@ -3077,6 +3077,10 @@
           <a:bodyPr/>
           <a:lstStyle/>
           <a:p>
+            <a:r>
+              <a:rPr lang="zh-CN" altLang="en-US" smtClean="0"/>
+              <a:t>我是正文的内容</a:t>
+            </a:r>
             <a:endParaRPr lang="zh-CN" altLang="en-US"/>
           </a:p>
         </p:txBody>
